--- a/stu2001321072/Технологии на проект..pptx
+++ b/stu2001321072/Технологии на проект..pptx
@@ -253,7 +253,7 @@
           <a:p>
             <a:fld id="{C764DE79-268F-4C1A-8933-263129D2AF90}" type="datetimeFigureOut">
               <a:rPr lang="en-US" dirty="0"/>
-              <a:t>12/24/2023</a:t>
+              <a:t>12/26/2023</a:t>
             </a:fld>
             <a:endParaRPr lang="en-US" dirty="0"/>
           </a:p>
@@ -421,7 +421,7 @@
           <a:p>
             <a:fld id="{C764DE79-268F-4C1A-8933-263129D2AF90}" type="datetimeFigureOut">
               <a:rPr lang="en-US" dirty="0"/>
-              <a:t>12/24/2023</a:t>
+              <a:t>12/26/2023</a:t>
             </a:fld>
             <a:endParaRPr lang="en-US" dirty="0"/>
           </a:p>
@@ -599,7 +599,7 @@
           <a:p>
             <a:fld id="{C764DE79-268F-4C1A-8933-263129D2AF90}" type="datetimeFigureOut">
               <a:rPr lang="en-US" dirty="0"/>
-              <a:t>12/24/2023</a:t>
+              <a:t>12/26/2023</a:t>
             </a:fld>
             <a:endParaRPr lang="en-US" dirty="0"/>
           </a:p>
@@ -767,7 +767,7 @@
           <a:p>
             <a:fld id="{C764DE79-268F-4C1A-8933-263129D2AF90}" type="datetimeFigureOut">
               <a:rPr lang="en-US" dirty="0"/>
-              <a:t>12/24/2023</a:t>
+              <a:t>12/26/2023</a:t>
             </a:fld>
             <a:endParaRPr lang="en-US" dirty="0"/>
           </a:p>
@@ -1012,7 +1012,7 @@
           <a:p>
             <a:fld id="{C764DE79-268F-4C1A-8933-263129D2AF90}" type="datetimeFigureOut">
               <a:rPr lang="en-US" dirty="0"/>
-              <a:t>12/24/2023</a:t>
+              <a:t>12/26/2023</a:t>
             </a:fld>
             <a:endParaRPr lang="en-US" dirty="0"/>
           </a:p>
@@ -1241,7 +1241,7 @@
           <a:p>
             <a:fld id="{C764DE79-268F-4C1A-8933-263129D2AF90}" type="datetimeFigureOut">
               <a:rPr lang="en-US" dirty="0"/>
-              <a:t>12/24/2023</a:t>
+              <a:t>12/26/2023</a:t>
             </a:fld>
             <a:endParaRPr lang="en-US" dirty="0"/>
           </a:p>
@@ -1605,7 +1605,7 @@
           <a:p>
             <a:fld id="{C764DE79-268F-4C1A-8933-263129D2AF90}" type="datetimeFigureOut">
               <a:rPr lang="en-US" dirty="0"/>
-              <a:t>12/24/2023</a:t>
+              <a:t>12/26/2023</a:t>
             </a:fld>
             <a:endParaRPr lang="en-US" dirty="0"/>
           </a:p>
@@ -1722,7 +1722,7 @@
           <a:p>
             <a:fld id="{C764DE79-268F-4C1A-8933-263129D2AF90}" type="datetimeFigureOut">
               <a:rPr lang="en-US" dirty="0"/>
-              <a:t>12/24/2023</a:t>
+              <a:t>12/26/2023</a:t>
             </a:fld>
             <a:endParaRPr lang="en-US" dirty="0"/>
           </a:p>
@@ -1817,7 +1817,7 @@
           <a:p>
             <a:fld id="{C764DE79-268F-4C1A-8933-263129D2AF90}" type="datetimeFigureOut">
               <a:rPr lang="en-US" dirty="0"/>
-              <a:t>12/24/2023</a:t>
+              <a:t>12/26/2023</a:t>
             </a:fld>
             <a:endParaRPr lang="en-US" dirty="0"/>
           </a:p>
@@ -2092,7 +2092,7 @@
           <a:p>
             <a:fld id="{C764DE79-268F-4C1A-8933-263129D2AF90}" type="datetimeFigureOut">
               <a:rPr lang="en-US" dirty="0"/>
-              <a:t>12/24/2023</a:t>
+              <a:t>12/26/2023</a:t>
             </a:fld>
             <a:endParaRPr lang="en-US" dirty="0"/>
           </a:p>
@@ -2344,7 +2344,7 @@
           <a:p>
             <a:fld id="{C764DE79-268F-4C1A-8933-263129D2AF90}" type="datetimeFigureOut">
               <a:rPr lang="en-US" dirty="0"/>
-              <a:t>12/24/2023</a:t>
+              <a:t>12/26/2023</a:t>
             </a:fld>
             <a:endParaRPr lang="en-US" dirty="0"/>
           </a:p>
@@ -2555,7 +2555,7 @@
           <a:p>
             <a:fld id="{C764DE79-268F-4C1A-8933-263129D2AF90}" type="datetimeFigureOut">
               <a:rPr lang="en-US" dirty="0"/>
-              <a:t>12/24/2023</a:t>
+              <a:t>12/26/2023</a:t>
             </a:fld>
             <a:endParaRPr lang="en-US" dirty="0"/>
           </a:p>
@@ -6638,7 +6638,21 @@
                 <a:ea typeface="Calibri" panose="020F0502020204030204"/>
                 <a:cs typeface="Calibri" panose="020F0502020204030204"/>
               </a:rPr>
-              <a:t> UI (страхотна библиотека за стилизирани компоненти; </a:t>
+              <a:t> UI (страхотна библиотека за стилизирани компоненти</a:t>
+            </a:r>
+            <a:r>
+              <a:rPr lang="en-GB" dirty="0">
+                <a:ea typeface="Calibri" panose="020F0502020204030204"/>
+                <a:cs typeface="Calibri" panose="020F0502020204030204"/>
+              </a:rPr>
+              <a:t>)</a:t>
+            </a:r>
+            <a:r>
+              <a:rPr lang="bg-BG" dirty="0">
+                <a:ea typeface="Calibri" panose="020F0502020204030204"/>
+                <a:cs typeface="Calibri" panose="020F0502020204030204"/>
+              </a:rPr>
+              <a:t>; </a:t>
             </a:r>
           </a:p>
           <a:p>
@@ -6734,7 +6748,21 @@
                 <a:ea typeface="Calibri" panose="020F0502020204030204"/>
                 <a:cs typeface="Calibri" panose="020F0502020204030204"/>
               </a:rPr>
-              <a:t> на пътищата в сайта. </a:t>
+              <a:t> на пътищата в сайта</a:t>
+            </a:r>
+            <a:r>
+              <a:rPr lang="en-GB" dirty="0">
+                <a:ea typeface="Calibri" panose="020F0502020204030204"/>
+                <a:cs typeface="Calibri" panose="020F0502020204030204"/>
+              </a:rPr>
+              <a:t>)</a:t>
+            </a:r>
+            <a:r>
+              <a:rPr lang="bg-BG" dirty="0">
+                <a:ea typeface="Calibri" panose="020F0502020204030204"/>
+                <a:cs typeface="Calibri" panose="020F0502020204030204"/>
+              </a:rPr>
+              <a:t>. </a:t>
             </a:r>
           </a:p>
           <a:p>
